--- a/Documentation/Presentation/AXI-SPI Presentation.pptx
+++ b/Documentation/Presentation/AXI-SPI Presentation.pptx
@@ -31,6 +31,12 @@
     <p:sldId id="335" r:id="rId25"/>
     <p:sldId id="336" r:id="rId26"/>
     <p:sldId id="337" r:id="rId27"/>
+    <p:sldId id="338" r:id="rId28"/>
+    <p:sldId id="339" r:id="rId29"/>
+    <p:sldId id="340" r:id="rId30"/>
+    <p:sldId id="341" r:id="rId31"/>
+    <p:sldId id="342" r:id="rId32"/>
+    <p:sldId id="343" r:id="rId33"/>
   </p:sldIdLst>
   <p:sldSz cx="12192000" cy="6858000"/>
   <p:notesSz cx="6858000" cy="9144000"/>
@@ -129,6 +135,11 @@
       </a:defRPr>
     </a:lvl9pPr>
   </p:defaultTextStyle>
+  <p:extLst>
+    <p:ext uri="{EFAFB233-063F-42B5-8137-9DF3F51BA10A}">
+      <p15:sldGuideLst xmlns:p15="http://schemas.microsoft.com/office/powerpoint/2012/main"/>
+    </p:ext>
+  </p:extLst>
 </p:presentation>
 </file>
 
@@ -27863,7 +27874,10 @@
           <a:bodyPr/>
           <a:lstStyle/>
           <a:p>
-            <a:endParaRPr lang="en-IN"/>
+            <a:r>
+              <a:rPr lang="en-IN" dirty="0"/>
+              <a:t>Presentation Agenda </a:t>
+            </a:r>
           </a:p>
         </p:txBody>
       </p:sp>
@@ -28020,7 +28034,7 @@
           <a:p>
             <a:r>
               <a:rPr lang="en-IN" dirty="0"/>
-              <a:t>Testbenches</a:t>
+              <a:t>Testbench and Simulation Results</a:t>
             </a:r>
           </a:p>
         </p:txBody>
@@ -28062,7 +28076,10 @@
           <a:bodyPr/>
           <a:lstStyle/>
           <a:p>
-            <a:endParaRPr lang="en-IN" dirty="0"/>
+            <a:r>
+              <a:rPr lang="en-IN" dirty="0"/>
+              <a:t>1</a:t>
+            </a:r>
           </a:p>
         </p:txBody>
       </p:sp>
@@ -28081,7 +28098,10 @@
           <a:bodyPr/>
           <a:lstStyle/>
           <a:p>
-            <a:endParaRPr lang="en-IN"/>
+            <a:r>
+              <a:rPr lang="en-IN" dirty="0"/>
+              <a:t>2</a:t>
+            </a:r>
           </a:p>
         </p:txBody>
       </p:sp>
@@ -28100,7 +28120,10 @@
           <a:bodyPr/>
           <a:lstStyle/>
           <a:p>
-            <a:endParaRPr lang="en-IN"/>
+            <a:r>
+              <a:rPr lang="en-IN" dirty="0"/>
+              <a:t>3</a:t>
+            </a:r>
           </a:p>
         </p:txBody>
       </p:sp>
@@ -28119,7 +28142,10 @@
           <a:bodyPr/>
           <a:lstStyle/>
           <a:p>
-            <a:endParaRPr lang="en-IN"/>
+            <a:r>
+              <a:rPr lang="en-IN" dirty="0"/>
+              <a:t>4</a:t>
+            </a:r>
           </a:p>
         </p:txBody>
       </p:sp>
@@ -28138,7 +28164,10 @@
           <a:bodyPr/>
           <a:lstStyle/>
           <a:p>
-            <a:endParaRPr lang="en-IN"/>
+            <a:r>
+              <a:rPr lang="en-IN" dirty="0"/>
+              <a:t>5</a:t>
+            </a:r>
           </a:p>
         </p:txBody>
       </p:sp>
@@ -28157,7 +28186,10 @@
           <a:bodyPr/>
           <a:lstStyle/>
           <a:p>
-            <a:endParaRPr lang="en-IN"/>
+            <a:r>
+              <a:rPr lang="en-IN" dirty="0"/>
+              <a:t>6</a:t>
+            </a:r>
           </a:p>
         </p:txBody>
       </p:sp>
@@ -28176,7 +28208,10 @@
           <a:bodyPr/>
           <a:lstStyle/>
           <a:p>
-            <a:endParaRPr lang="en-IN"/>
+            <a:r>
+              <a:rPr lang="en-IN" dirty="0"/>
+              <a:t>7</a:t>
+            </a:r>
           </a:p>
         </p:txBody>
       </p:sp>
@@ -28195,7 +28230,10 @@
           <a:bodyPr/>
           <a:lstStyle/>
           <a:p>
-            <a:endParaRPr lang="en-IN"/>
+            <a:r>
+              <a:rPr lang="en-IN" dirty="0"/>
+              <a:t>8</a:t>
+            </a:r>
           </a:p>
         </p:txBody>
       </p:sp>
@@ -28676,6 +28714,219 @@
 </p:sld>
 </file>
 
+<file path=ppt/slides/slide27.xml><?xml version="1.0" encoding="utf-8"?>
+<p:sld xmlns:a="http://schemas.openxmlformats.org/drawingml/2006/main" xmlns:r="http://schemas.openxmlformats.org/officeDocument/2006/relationships" xmlns:p="http://schemas.openxmlformats.org/presentationml/2006/main">
+  <p:cSld>
+    <p:spTree>
+      <p:nvGrpSpPr>
+        <p:cNvPr id="1" name=""/>
+        <p:cNvGrpSpPr/>
+        <p:nvPr/>
+      </p:nvGrpSpPr>
+      <p:grpSpPr>
+        <a:xfrm>
+          <a:off x="0" y="0"/>
+          <a:ext cx="0" cy="0"/>
+          <a:chOff x="0" y="0"/>
+          <a:chExt cx="0" cy="0"/>
+        </a:xfrm>
+      </p:grpSpPr>
+      <p:sp>
+        <p:nvSpPr>
+          <p:cNvPr id="2" name="Title 1"/>
+          <p:cNvSpPr>
+            <a:spLocks noGrp="1"/>
+          </p:cNvSpPr>
+          <p:nvPr>
+            <p:ph type="title"/>
+          </p:nvPr>
+        </p:nvSpPr>
+        <p:spPr/>
+        <p:txBody>
+          <a:bodyPr/>
+          <a:lstStyle/>
+          <a:p>
+            <a:r>
+              <a:rPr lang="en-IN" dirty="0"/>
+              <a:t>AXI General Functionality</a:t>
+            </a:r>
+          </a:p>
+        </p:txBody>
+      </p:sp>
+      <p:sp>
+        <p:nvSpPr>
+          <p:cNvPr id="3" name="Content Placeholder 2"/>
+          <p:cNvSpPr>
+            <a:spLocks noGrp="1"/>
+          </p:cNvSpPr>
+          <p:nvPr>
+            <p:ph idx="1"/>
+          </p:nvPr>
+        </p:nvSpPr>
+        <p:spPr/>
+        <p:txBody>
+          <a:bodyPr/>
+          <a:lstStyle/>
+          <a:p>
+            <a:endParaRPr lang="en-IN"/>
+          </a:p>
+        </p:txBody>
+      </p:sp>
+    </p:spTree>
+    <p:extLst>
+      <p:ext uri="{BB962C8B-B14F-4D97-AF65-F5344CB8AC3E}">
+        <p14:creationId xmlns:p14="http://schemas.microsoft.com/office/powerpoint/2010/main" val="750522216"/>
+      </p:ext>
+    </p:extLst>
+  </p:cSld>
+  <p:clrMapOvr>
+    <a:masterClrMapping/>
+  </p:clrMapOvr>
+</p:sld>
+</file>
+
+<file path=ppt/slides/slide28.xml><?xml version="1.0" encoding="utf-8"?>
+<p:sld xmlns:a="http://schemas.openxmlformats.org/drawingml/2006/main" xmlns:r="http://schemas.openxmlformats.org/officeDocument/2006/relationships" xmlns:p="http://schemas.openxmlformats.org/presentationml/2006/main">
+  <p:cSld>
+    <p:spTree>
+      <p:nvGrpSpPr>
+        <p:cNvPr id="1" name=""/>
+        <p:cNvGrpSpPr/>
+        <p:nvPr/>
+      </p:nvGrpSpPr>
+      <p:grpSpPr>
+        <a:xfrm>
+          <a:off x="0" y="0"/>
+          <a:ext cx="0" cy="0"/>
+          <a:chOff x="0" y="0"/>
+          <a:chExt cx="0" cy="0"/>
+        </a:xfrm>
+      </p:grpSpPr>
+      <p:sp>
+        <p:nvSpPr>
+          <p:cNvPr id="2" name="Title 1"/>
+          <p:cNvSpPr>
+            <a:spLocks noGrp="1"/>
+          </p:cNvSpPr>
+          <p:nvPr>
+            <p:ph type="title"/>
+          </p:nvPr>
+        </p:nvSpPr>
+        <p:spPr/>
+        <p:txBody>
+          <a:bodyPr/>
+          <a:lstStyle/>
+          <a:p>
+            <a:r>
+              <a:rPr lang="en-IN" dirty="0"/>
+              <a:t>AXI Address Decoder and Register Select</a:t>
+            </a:r>
+          </a:p>
+        </p:txBody>
+      </p:sp>
+      <p:sp>
+        <p:nvSpPr>
+          <p:cNvPr id="3" name="Content Placeholder 2"/>
+          <p:cNvSpPr>
+            <a:spLocks noGrp="1"/>
+          </p:cNvSpPr>
+          <p:nvPr>
+            <p:ph idx="1"/>
+          </p:nvPr>
+        </p:nvSpPr>
+        <p:spPr/>
+        <p:txBody>
+          <a:bodyPr/>
+          <a:lstStyle/>
+          <a:p>
+            <a:endParaRPr lang="en-IN" dirty="0"/>
+          </a:p>
+        </p:txBody>
+      </p:sp>
+    </p:spTree>
+    <p:extLst>
+      <p:ext uri="{BB962C8B-B14F-4D97-AF65-F5344CB8AC3E}">
+        <p14:creationId xmlns:p14="http://schemas.microsoft.com/office/powerpoint/2010/main" val="1354193391"/>
+      </p:ext>
+    </p:extLst>
+  </p:cSld>
+  <p:clrMapOvr>
+    <a:masterClrMapping/>
+  </p:clrMapOvr>
+</p:sld>
+</file>
+
+<file path=ppt/slides/slide29.xml><?xml version="1.0" encoding="utf-8"?>
+<p:sld xmlns:a="http://schemas.openxmlformats.org/drawingml/2006/main" xmlns:r="http://schemas.openxmlformats.org/officeDocument/2006/relationships" xmlns:p="http://schemas.openxmlformats.org/presentationml/2006/main">
+  <p:cSld>
+    <p:spTree>
+      <p:nvGrpSpPr>
+        <p:cNvPr id="1" name=""/>
+        <p:cNvGrpSpPr/>
+        <p:nvPr/>
+      </p:nvGrpSpPr>
+      <p:grpSpPr>
+        <a:xfrm>
+          <a:off x="0" y="0"/>
+          <a:ext cx="0" cy="0"/>
+          <a:chOff x="0" y="0"/>
+          <a:chExt cx="0" cy="0"/>
+        </a:xfrm>
+      </p:grpSpPr>
+      <p:sp>
+        <p:nvSpPr>
+          <p:cNvPr id="2" name="Title 1"/>
+          <p:cNvSpPr>
+            <a:spLocks noGrp="1"/>
+          </p:cNvSpPr>
+          <p:nvPr>
+            <p:ph type="title"/>
+          </p:nvPr>
+        </p:nvSpPr>
+        <p:spPr/>
+        <p:txBody>
+          <a:bodyPr/>
+          <a:lstStyle/>
+          <a:p>
+            <a:r>
+              <a:rPr lang="en-IN" dirty="0"/>
+              <a:t>AXI Read Cycle</a:t>
+            </a:r>
+          </a:p>
+        </p:txBody>
+      </p:sp>
+      <p:sp>
+        <p:nvSpPr>
+          <p:cNvPr id="3" name="Content Placeholder 2"/>
+          <p:cNvSpPr>
+            <a:spLocks noGrp="1"/>
+          </p:cNvSpPr>
+          <p:nvPr>
+            <p:ph idx="1"/>
+          </p:nvPr>
+        </p:nvSpPr>
+        <p:spPr/>
+        <p:txBody>
+          <a:bodyPr/>
+          <a:lstStyle/>
+          <a:p>
+            <a:endParaRPr lang="en-IN" dirty="0"/>
+          </a:p>
+        </p:txBody>
+      </p:sp>
+    </p:spTree>
+    <p:extLst>
+      <p:ext uri="{BB962C8B-B14F-4D97-AF65-F5344CB8AC3E}">
+        <p14:creationId xmlns:p14="http://schemas.microsoft.com/office/powerpoint/2010/main" val="913930351"/>
+      </p:ext>
+    </p:extLst>
+  </p:cSld>
+  <p:clrMapOvr>
+    <a:masterClrMapping/>
+  </p:clrMapOvr>
+</p:sld>
+</file>
+
 <file path=ppt/slides/slide3.xml><?xml version="1.0" encoding="utf-8"?>
 <p:sld xmlns:a="http://schemas.openxmlformats.org/drawingml/2006/main" xmlns:r="http://schemas.openxmlformats.org/officeDocument/2006/relationships" xmlns:p="http://schemas.openxmlformats.org/presentationml/2006/main">
   <p:cSld>
@@ -28719,6 +28970,181 @@
     <p:extLst>
       <p:ext uri="{BB962C8B-B14F-4D97-AF65-F5344CB8AC3E}">
         <p14:creationId xmlns:p14="http://schemas.microsoft.com/office/powerpoint/2010/main" val="58477669"/>
+      </p:ext>
+    </p:extLst>
+  </p:cSld>
+  <p:clrMapOvr>
+    <a:masterClrMapping/>
+  </p:clrMapOvr>
+</p:sld>
+</file>
+
+<file path=ppt/slides/slide30.xml><?xml version="1.0" encoding="utf-8"?>
+<p:sld xmlns:a="http://schemas.openxmlformats.org/drawingml/2006/main" xmlns:r="http://schemas.openxmlformats.org/officeDocument/2006/relationships" xmlns:p="http://schemas.openxmlformats.org/presentationml/2006/main">
+  <p:cSld>
+    <p:spTree>
+      <p:nvGrpSpPr>
+        <p:cNvPr id="1" name=""/>
+        <p:cNvGrpSpPr/>
+        <p:nvPr/>
+      </p:nvGrpSpPr>
+      <p:grpSpPr>
+        <a:xfrm>
+          <a:off x="0" y="0"/>
+          <a:ext cx="0" cy="0"/>
+          <a:chOff x="0" y="0"/>
+          <a:chExt cx="0" cy="0"/>
+        </a:xfrm>
+      </p:grpSpPr>
+      <p:sp>
+        <p:nvSpPr>
+          <p:cNvPr id="2" name="Title 1"/>
+          <p:cNvSpPr>
+            <a:spLocks noGrp="1"/>
+          </p:cNvSpPr>
+          <p:nvPr>
+            <p:ph type="title"/>
+          </p:nvPr>
+        </p:nvSpPr>
+        <p:spPr/>
+        <p:txBody>
+          <a:bodyPr/>
+          <a:lstStyle/>
+          <a:p>
+            <a:r>
+              <a:rPr lang="en-IN" dirty="0"/>
+              <a:t>AXI Write Cycle</a:t>
+            </a:r>
+          </a:p>
+        </p:txBody>
+      </p:sp>
+      <p:sp>
+        <p:nvSpPr>
+          <p:cNvPr id="3" name="Content Placeholder 2"/>
+          <p:cNvSpPr>
+            <a:spLocks noGrp="1"/>
+          </p:cNvSpPr>
+          <p:nvPr>
+            <p:ph idx="1"/>
+          </p:nvPr>
+        </p:nvSpPr>
+        <p:spPr/>
+        <p:txBody>
+          <a:bodyPr/>
+          <a:lstStyle/>
+          <a:p>
+            <a:endParaRPr lang="en-IN" dirty="0"/>
+          </a:p>
+        </p:txBody>
+      </p:sp>
+    </p:spTree>
+    <p:extLst>
+      <p:ext uri="{BB962C8B-B14F-4D97-AF65-F5344CB8AC3E}">
+        <p14:creationId xmlns:p14="http://schemas.microsoft.com/office/powerpoint/2010/main" val="3370934673"/>
+      </p:ext>
+    </p:extLst>
+  </p:cSld>
+  <p:clrMapOvr>
+    <a:masterClrMapping/>
+  </p:clrMapOvr>
+</p:sld>
+</file>
+
+<file path=ppt/slides/slide31.xml><?xml version="1.0" encoding="utf-8"?>
+<p:sld xmlns:a="http://schemas.openxmlformats.org/drawingml/2006/main" xmlns:r="http://schemas.openxmlformats.org/officeDocument/2006/relationships" xmlns:p="http://schemas.openxmlformats.org/presentationml/2006/main">
+  <p:cSld>
+    <p:spTree>
+      <p:nvGrpSpPr>
+        <p:cNvPr id="1" name=""/>
+        <p:cNvGrpSpPr/>
+        <p:nvPr/>
+      </p:nvGrpSpPr>
+      <p:grpSpPr>
+        <a:xfrm>
+          <a:off x="0" y="0"/>
+          <a:ext cx="0" cy="0"/>
+          <a:chOff x="0" y="0"/>
+          <a:chExt cx="0" cy="0"/>
+        </a:xfrm>
+      </p:grpSpPr>
+      <p:sp>
+        <p:nvSpPr>
+          <p:cNvPr id="2" name="Text Placeholder 1"/>
+          <p:cNvSpPr>
+            <a:spLocks noGrp="1"/>
+          </p:cNvSpPr>
+          <p:nvPr>
+            <p:ph type="body" sz="quarter" idx="10"/>
+          </p:nvPr>
+        </p:nvSpPr>
+        <p:spPr/>
+        <p:txBody>
+          <a:bodyPr/>
+          <a:lstStyle/>
+          <a:p>
+            <a:r>
+              <a:rPr lang="en-IN" dirty="0"/>
+              <a:t>Testbench and Simulation Results</a:t>
+            </a:r>
+          </a:p>
+        </p:txBody>
+      </p:sp>
+    </p:spTree>
+    <p:extLst>
+      <p:ext uri="{BB962C8B-B14F-4D97-AF65-F5344CB8AC3E}">
+        <p14:creationId xmlns:p14="http://schemas.microsoft.com/office/powerpoint/2010/main" val="2660938510"/>
+      </p:ext>
+    </p:extLst>
+  </p:cSld>
+  <p:clrMapOvr>
+    <a:masterClrMapping/>
+  </p:clrMapOvr>
+</p:sld>
+</file>
+
+<file path=ppt/slides/slide32.xml><?xml version="1.0" encoding="utf-8"?>
+<p:sld xmlns:a="http://schemas.openxmlformats.org/drawingml/2006/main" xmlns:r="http://schemas.openxmlformats.org/officeDocument/2006/relationships" xmlns:p="http://schemas.openxmlformats.org/presentationml/2006/main">
+  <p:cSld>
+    <p:spTree>
+      <p:nvGrpSpPr>
+        <p:cNvPr id="1" name=""/>
+        <p:cNvGrpSpPr/>
+        <p:nvPr/>
+      </p:nvGrpSpPr>
+      <p:grpSpPr>
+        <a:xfrm>
+          <a:off x="0" y="0"/>
+          <a:ext cx="0" cy="0"/>
+          <a:chOff x="0" y="0"/>
+          <a:chExt cx="0" cy="0"/>
+        </a:xfrm>
+      </p:grpSpPr>
+      <p:sp>
+        <p:nvSpPr>
+          <p:cNvPr id="2" name="Text Placeholder 1"/>
+          <p:cNvSpPr>
+            <a:spLocks noGrp="1"/>
+          </p:cNvSpPr>
+          <p:nvPr>
+            <p:ph type="body" sz="quarter" idx="10"/>
+          </p:nvPr>
+        </p:nvSpPr>
+        <p:spPr/>
+        <p:txBody>
+          <a:bodyPr/>
+          <a:lstStyle/>
+          <a:p>
+            <a:r>
+              <a:rPr lang="en-IN" dirty="0"/>
+              <a:t>Conclusion and Questions</a:t>
+            </a:r>
+          </a:p>
+        </p:txBody>
+      </p:sp>
+    </p:spTree>
+    <p:extLst>
+      <p:ext uri="{BB962C8B-B14F-4D97-AF65-F5344CB8AC3E}">
+        <p14:creationId xmlns:p14="http://schemas.microsoft.com/office/powerpoint/2010/main" val="3195425839"/>
       </p:ext>
     </p:extLst>
   </p:cSld>
